--- a/eece2160/f17/lectures/eece.2160f17_lec14_for.pptx
+++ b/eece2160/f17/lectures/eece.2160f17_lec14_for.pptx
@@ -2273,7 +2273,7 @@
           <a:p>
             <a:fld id="{A1CE70F1-A3F2-124B-A2E5-FCA8234E8310}" type="datetime1">
               <a:rPr lang="en-US" smtClean="0"/>
-              <a:t>10/9/17</a:t>
+              <a:t>10/11/17</a:t>
             </a:fld>
             <a:endParaRPr lang="en-US"/>
           </a:p>
@@ -2470,7 +2470,7 @@
           <a:p>
             <a:fld id="{4D727BC0-2D73-0F42-B351-D75FA4D7C6C2}" type="datetime1">
               <a:rPr lang="en-US" smtClean="0"/>
-              <a:t>10/9/17</a:t>
+              <a:t>10/11/17</a:t>
             </a:fld>
             <a:endParaRPr lang="en-US"/>
           </a:p>
@@ -2676,7 +2676,7 @@
           <a:p>
             <a:fld id="{252B8F91-6F9F-764A-9B17-7FD4B120C171}" type="datetime1">
               <a:rPr lang="en-US" smtClean="0"/>
-              <a:t>10/9/17</a:t>
+              <a:t>10/11/17</a:t>
             </a:fld>
             <a:endParaRPr lang="en-US"/>
           </a:p>
@@ -2939,7 +2939,7 @@
           <a:p>
             <a:fld id="{D9DC963F-0528-E340-B63C-05496516FC23}" type="datetime1">
               <a:rPr lang="en-US" smtClean="0"/>
-              <a:t>10/9/17</a:t>
+              <a:t>10/11/17</a:t>
             </a:fld>
             <a:endParaRPr lang="en-US"/>
           </a:p>
@@ -3202,7 +3202,7 @@
           <a:p>
             <a:fld id="{1CC34E0E-AD99-3B43-8C66-282676B4A805}" type="datetime1">
               <a:rPr lang="en-US" smtClean="0"/>
-              <a:t>10/9/17</a:t>
+              <a:t>10/11/17</a:t>
             </a:fld>
             <a:endParaRPr lang="en-US"/>
           </a:p>
@@ -3398,7 +3398,7 @@
           <a:p>
             <a:fld id="{5C12207F-9C72-CC48-87C6-919D627C67FF}" type="datetime1">
               <a:rPr lang="en-US" smtClean="0"/>
-              <a:t>10/9/17</a:t>
+              <a:t>10/11/17</a:t>
             </a:fld>
             <a:endParaRPr lang="en-US"/>
           </a:p>
@@ -3616,7 +3616,7 @@
           <a:p>
             <a:fld id="{2C6A078E-D968-FF4B-AE71-47A69932F8E7}" type="datetime1">
               <a:rPr lang="en-US" smtClean="0"/>
-              <a:t>10/9/17</a:t>
+              <a:t>10/11/17</a:t>
             </a:fld>
             <a:endParaRPr lang="en-US"/>
           </a:p>
@@ -3930,7 +3930,7 @@
           <a:p>
             <a:fld id="{7A4D8FB5-121A-1F48-A77D-731F6E9D6573}" type="datetime1">
               <a:rPr lang="en-US" smtClean="0"/>
-              <a:t>10/9/17</a:t>
+              <a:t>10/11/17</a:t>
             </a:fld>
             <a:endParaRPr lang="en-US"/>
           </a:p>
@@ -4383,7 +4383,7 @@
           <a:p>
             <a:fld id="{A7482716-91B8-2D45-889E-06E094C32B8D}" type="datetime1">
               <a:rPr lang="en-US" smtClean="0"/>
-              <a:t>10/9/17</a:t>
+              <a:t>10/11/17</a:t>
             </a:fld>
             <a:endParaRPr lang="en-US"/>
           </a:p>
@@ -4527,7 +4527,7 @@
           <a:p>
             <a:fld id="{5B319E3A-8CE3-8449-956A-2437C1921AF3}" type="datetime1">
               <a:rPr lang="en-US" smtClean="0"/>
-              <a:t>10/9/17</a:t>
+              <a:t>10/11/17</a:t>
             </a:fld>
             <a:endParaRPr lang="en-US"/>
           </a:p>
@@ -4648,7 +4648,7 @@
           <a:p>
             <a:fld id="{F4368D3C-67CE-0E43-BE15-B2615E07172E}" type="datetime1">
               <a:rPr lang="en-US" smtClean="0"/>
-              <a:t>10/9/17</a:t>
+              <a:t>10/11/17</a:t>
             </a:fld>
             <a:endParaRPr lang="en-US"/>
           </a:p>
@@ -4951,7 +4951,7 @@
           <a:p>
             <a:fld id="{DD3EE1A5-F2CB-5A45-A0BC-483D4BAF8639}" type="datetime1">
               <a:rPr lang="en-US" smtClean="0"/>
-              <a:t>10/9/17</a:t>
+              <a:t>10/11/17</a:t>
             </a:fld>
             <a:endParaRPr lang="en-US"/>
           </a:p>
@@ -5231,7 +5231,7 @@
           <a:p>
             <a:fld id="{3EA713E3-67A1-2943-89AD-3C908EFB50A3}" type="datetime1">
               <a:rPr lang="en-US" smtClean="0"/>
-              <a:t>10/9/17</a:t>
+              <a:t>10/11/17</a:t>
             </a:fld>
             <a:endParaRPr lang="en-US"/>
           </a:p>
@@ -5530,7 +5530,7 @@
           <a:p>
             <a:fld id="{03C3462C-2BD4-844F-9538-DAD59F5E6293}" type="datetime1">
               <a:rPr lang="en-US" smtClean="0"/>
-              <a:t>10/9/17</a:t>
+              <a:t>10/11/17</a:t>
             </a:fld>
             <a:endParaRPr lang="en-US"/>
           </a:p>
@@ -6350,7 +6350,7 @@
               <a:buNone/>
             </a:pPr>
             <a:r>
-              <a:rPr lang="en-US" smtClean="0">
+              <a:rPr lang="en-US" dirty="0" smtClean="0">
                 <a:latin typeface="Arial" charset="0"/>
               </a:rPr>
               <a:t>Fall 2017</a:t>
@@ -6395,7 +6395,7 @@
                 </a:solidFill>
                 <a:latin typeface="Arial" charset="0"/>
               </a:rPr>
-              <a:t>13:</a:t>
+              <a:t>14:</a:t>
             </a:r>
             <a:endParaRPr lang="en-US" b="1" dirty="0">
               <a:solidFill>
@@ -7239,7 +7239,7 @@
               <a:rPr lang="en-US" sz="1200" smtClean="0">
                 <a:latin typeface="Garamond" charset="0"/>
               </a:rPr>
-              <a:t>10/9/17</a:t>
+              <a:t>10/11/17</a:t>
             </a:fld>
             <a:endParaRPr lang="en-US" sz="1200">
               <a:latin typeface="Garamond" charset="0"/>
@@ -8150,7 +8150,7 @@
               <a:rPr lang="en-US" sz="1200" smtClean="0">
                 <a:latin typeface="Garamond" charset="0"/>
               </a:rPr>
-              <a:t>10/9/17</a:t>
+              <a:t>10/11/17</a:t>
             </a:fld>
             <a:endParaRPr lang="en-US" sz="1200">
               <a:latin typeface="Garamond" charset="0"/>
@@ -8581,7 +8581,7 @@
               <a:rPr lang="en-US" sz="1200" smtClean="0">
                 <a:latin typeface="Garamond" charset="0"/>
               </a:rPr>
-              <a:t>10/9/17</a:t>
+              <a:t>10/11/17</a:t>
             </a:fld>
             <a:endParaRPr lang="en-US" sz="1200">
               <a:latin typeface="Garamond" charset="0"/>
@@ -9831,7 +9831,7 @@
               <a:rPr lang="en-US" sz="1200" smtClean="0">
                 <a:latin typeface="Garamond" charset="0"/>
               </a:rPr>
-              <a:t>10/9/17</a:t>
+              <a:t>10/11/17</a:t>
             </a:fld>
             <a:endParaRPr lang="en-US" sz="1200">
               <a:latin typeface="Garamond" charset="0"/>
@@ -11100,7 +11100,7 @@
               <a:rPr lang="en-US" sz="1200" smtClean="0">
                 <a:latin typeface="Garamond" charset="0"/>
               </a:rPr>
-              <a:t>10/9/17</a:t>
+              <a:t>10/11/17</a:t>
             </a:fld>
             <a:endParaRPr lang="en-US" sz="1200">
               <a:latin typeface="Garamond" charset="0"/>
@@ -11614,7 +11614,7 @@
               <a:rPr lang="en-US" sz="1200" smtClean="0">
                 <a:latin typeface="Garamond" charset="0"/>
               </a:rPr>
-              <a:t>10/9/17</a:t>
+              <a:t>10/11/17</a:t>
             </a:fld>
             <a:endParaRPr lang="en-US" sz="1200">
               <a:latin typeface="Garamond" charset="0"/>
@@ -11974,7 +11974,7 @@
               <a:rPr lang="en-US" sz="1200" smtClean="0">
                 <a:latin typeface="Garamond" charset="0"/>
               </a:rPr>
-              <a:t>10/9/17</a:t>
+              <a:t>10/11/17</a:t>
             </a:fld>
             <a:endParaRPr lang="en-US" sz="1200">
               <a:latin typeface="Garamond" charset="0"/>
@@ -12397,7 +12397,7 @@
               <a:rPr lang="en-US" sz="1200" smtClean="0">
                 <a:latin typeface="Garamond" charset="0"/>
               </a:rPr>
-              <a:t>10/9/17</a:t>
+              <a:t>10/11/17</a:t>
             </a:fld>
             <a:endParaRPr lang="en-US" sz="1200">
               <a:latin typeface="Garamond" charset="0"/>
@@ -12867,7 +12867,7 @@
               <a:rPr lang="en-US" sz="1200" smtClean="0">
                 <a:latin typeface="Garamond" charset="0"/>
               </a:rPr>
-              <a:t>10/9/17</a:t>
+              <a:t>10/11/17</a:t>
             </a:fld>
             <a:endParaRPr lang="en-US" sz="1200">
               <a:latin typeface="Garamond" charset="0"/>
@@ -13489,7 +13489,7 @@
               <a:rPr lang="en-US" sz="1200" smtClean="0">
                 <a:latin typeface="Garamond" charset="0"/>
               </a:rPr>
-              <a:t>10/9/17</a:t>
+              <a:t>10/11/17</a:t>
             </a:fld>
             <a:endParaRPr lang="en-US" sz="1200">
               <a:latin typeface="Garamond" charset="0"/>
@@ -13861,36 +13861,6 @@
               <a:t>For loops</a:t>
             </a:r>
           </a:p>
-          <a:p>
-            <a:pPr lvl="1"/>
-            <a:r>
-              <a:rPr lang="en-US" dirty="0" smtClean="0">
-                <a:latin typeface="Arial" charset="0"/>
-              </a:rPr>
-              <a:t>Return exams …</a:t>
-            </a:r>
-          </a:p>
-          <a:p>
-            <a:pPr lvl="2"/>
-            <a:r>
-              <a:rPr lang="en-US" dirty="0" smtClean="0">
-                <a:latin typeface="Arial" charset="0"/>
-              </a:rPr>
-              <a:t>… and go through solution if time permits</a:t>
-            </a:r>
-          </a:p>
-          <a:p>
-            <a:pPr lvl="2"/>
-            <a:r>
-              <a:rPr lang="en-US" dirty="0" smtClean="0">
-                <a:latin typeface="Arial" charset="0"/>
-              </a:rPr>
-              <a:t>If not, will go through solution Friday</a:t>
-            </a:r>
-            <a:endParaRPr lang="en-US" dirty="0">
-              <a:latin typeface="Arial" charset="0"/>
-            </a:endParaRPr>
-          </a:p>
         </p:txBody>
       </p:sp>
       <p:sp>
@@ -14021,7 +13991,7 @@
               <a:rPr lang="en-US" sz="1200" smtClean="0">
                 <a:latin typeface="Garamond" charset="0"/>
               </a:rPr>
-              <a:t>10/9/17</a:t>
+              <a:t>10/11/17</a:t>
             </a:fld>
             <a:endParaRPr lang="en-US" sz="1200">
               <a:latin typeface="Garamond" charset="0"/>
@@ -14745,7 +14715,7 @@
               <a:rPr lang="en-US" sz="1200" smtClean="0">
                 <a:latin typeface="Garamond" charset="0"/>
               </a:rPr>
-              <a:t>10/9/17</a:t>
+              <a:t>10/11/17</a:t>
             </a:fld>
             <a:endParaRPr lang="en-US" sz="1200">
               <a:latin typeface="Garamond" charset="0"/>
@@ -15016,7 +14986,7 @@
               <a:rPr lang="en-US" smtClean="0">
                 <a:latin typeface="Arial" charset="0"/>
               </a:rPr>
-              <a:t>Exam solution … ?</a:t>
+              <a:t>Return exams</a:t>
             </a:r>
             <a:endParaRPr lang="en-US" dirty="0" smtClean="0">
               <a:latin typeface="Arial" charset="0"/>
@@ -15217,7 +15187,7 @@
               <a:rPr lang="en-US" sz="1200" smtClean="0">
                 <a:latin typeface="Garamond" charset="0"/>
               </a:rPr>
-              <a:t>10/9/17</a:t>
+              <a:t>10/11/17</a:t>
             </a:fld>
             <a:endParaRPr lang="en-US" sz="1200">
               <a:latin typeface="Garamond" charset="0"/>
@@ -16013,7 +15983,7 @@
               <a:rPr lang="en-US" sz="1200" smtClean="0">
                 <a:latin typeface="Garamond" charset="0"/>
               </a:rPr>
-              <a:t>10/9/17</a:t>
+              <a:t>10/11/17</a:t>
             </a:fld>
             <a:endParaRPr lang="en-US" sz="1200">
               <a:latin typeface="Garamond" charset="0"/>
@@ -16814,7 +16784,7 @@
               <a:rPr lang="en-US" sz="1200" smtClean="0">
                 <a:latin typeface="Garamond" charset="0"/>
               </a:rPr>
-              <a:t>10/9/17</a:t>
+              <a:t>10/11/17</a:t>
             </a:fld>
             <a:endParaRPr lang="en-US" sz="1200">
               <a:latin typeface="Garamond" charset="0"/>
@@ -17460,7 +17430,7 @@
               <a:rPr lang="en-US" sz="1200" smtClean="0">
                 <a:latin typeface="Garamond" charset="0"/>
               </a:rPr>
-              <a:t>10/9/17</a:t>
+              <a:t>10/11/17</a:t>
             </a:fld>
             <a:endParaRPr lang="en-US" sz="1200">
               <a:latin typeface="Garamond" charset="0"/>
@@ -18070,7 +18040,7 @@
               <a:rPr lang="en-US" sz="1200" smtClean="0">
                 <a:latin typeface="Garamond" charset="0"/>
               </a:rPr>
-              <a:t>10/9/17</a:t>
+              <a:t>10/11/17</a:t>
             </a:fld>
             <a:endParaRPr lang="en-US" sz="1200">
               <a:latin typeface="Garamond" charset="0"/>
@@ -18718,7 +18688,7 @@
               <a:rPr lang="en-US" sz="1200" smtClean="0">
                 <a:latin typeface="Garamond" charset="0"/>
               </a:rPr>
-              <a:t>10/9/17</a:t>
+              <a:t>10/11/17</a:t>
             </a:fld>
             <a:endParaRPr lang="en-US" sz="1200">
               <a:latin typeface="Garamond" charset="0"/>
@@ -19520,7 +19490,7 @@
               <a:rPr lang="en-US" sz="1200" smtClean="0">
                 <a:latin typeface="Garamond" charset="0"/>
               </a:rPr>
-              <a:t>10/9/17</a:t>
+              <a:t>10/11/17</a:t>
             </a:fld>
             <a:endParaRPr lang="en-US" sz="1200">
               <a:latin typeface="Garamond" charset="0"/>
@@ -21264,7 +21234,7 @@
               <a:rPr lang="en-US" sz="1200" smtClean="0">
                 <a:latin typeface="Garamond" charset="0"/>
               </a:rPr>
-              <a:t>10/9/17</a:t>
+              <a:t>10/11/17</a:t>
             </a:fld>
             <a:endParaRPr lang="en-US" sz="1200">
               <a:latin typeface="Garamond" charset="0"/>
